--- a/ppt/Python19-IHM.pptx
+++ b/ppt/Python19-IHM.pptx
@@ -16,7 +16,7 @@
     <p:sldId id="266" r:id="rId4"/>
     <p:sldId id="268" r:id="rId5"/>
     <p:sldId id="269" r:id="rId6"/>
-    <p:sldId id="267" r:id="rId7"/>
+    <p:sldId id="270" r:id="rId7"/>
   </p:sldIdLst>
   <p:sldSz cx="9144000" cy="6858000" type="screen4x3"/>
   <p:notesSz cx="6648450" cy="9782175"/>
@@ -609,35 +609,35 @@
           <a:p>
             <a:pPr lvl="0"/>
             <a:r>
-              <a:rPr lang="fr-FR" noProof="0" smtClean="0"/>
+              <a:rPr lang="fr-FR" noProof="0"/>
               <a:t>Cliquez pour modifier les styles du texte du masque</a:t>
             </a:r>
           </a:p>
           <a:p>
             <a:pPr lvl="1"/>
             <a:r>
-              <a:rPr lang="fr-FR" noProof="0" smtClean="0"/>
+              <a:rPr lang="fr-FR" noProof="0"/>
               <a:t>Deuxième niveau</a:t>
             </a:r>
           </a:p>
           <a:p>
             <a:pPr lvl="2"/>
             <a:r>
-              <a:rPr lang="fr-FR" noProof="0" smtClean="0"/>
+              <a:rPr lang="fr-FR" noProof="0"/>
               <a:t>Troisième niveau</a:t>
             </a:r>
           </a:p>
           <a:p>
             <a:pPr lvl="3"/>
             <a:r>
-              <a:rPr lang="fr-FR" noProof="0" smtClean="0"/>
+              <a:rPr lang="fr-FR" noProof="0"/>
               <a:t>Quatrième niveau</a:t>
             </a:r>
           </a:p>
           <a:p>
             <a:pPr lvl="4"/>
             <a:r>
-              <a:rPr lang="fr-FR" noProof="0" smtClean="0"/>
+              <a:rPr lang="fr-FR" noProof="0"/>
               <a:t>Cinquième niveau</a:t>
             </a:r>
           </a:p>
@@ -925,10 +925,9 @@
           <a:lstStyle/>
           <a:p>
             <a:r>
-              <a:rPr lang="fr-FR" smtClean="0"/>
+              <a:rPr lang="fr-FR"/>
               <a:t>Cliquez pour modifier le style du titre</a:t>
             </a:r>
-            <a:endParaRPr lang="fr-FR"/>
           </a:p>
         </p:txBody>
       </p:sp>
@@ -990,10 +989,9 @@
           </a:lstStyle>
           <a:p>
             <a:r>
-              <a:rPr lang="fr-FR" smtClean="0"/>
+              <a:rPr lang="fr-FR"/>
               <a:t>Cliquez pour modifier le style des sous-titres du masque</a:t>
             </a:r>
-            <a:endParaRPr lang="fr-FR"/>
           </a:p>
         </p:txBody>
       </p:sp>
@@ -1048,10 +1046,9 @@
           <a:lstStyle/>
           <a:p>
             <a:r>
-              <a:rPr lang="fr-FR" smtClean="0"/>
+              <a:rPr lang="fr-FR"/>
               <a:t>Cliquez pour modifier le style du titre</a:t>
             </a:r>
-            <a:endParaRPr lang="fr-FR"/>
           </a:p>
         </p:txBody>
       </p:sp>
@@ -1077,38 +1074,37 @@
           <a:p>
             <a:pPr lvl="0"/>
             <a:r>
-              <a:rPr lang="fr-FR" smtClean="0"/>
+              <a:rPr lang="fr-FR"/>
               <a:t>Cliquez pour modifier les styles du texte du masque</a:t>
             </a:r>
           </a:p>
           <a:p>
             <a:pPr lvl="1"/>
             <a:r>
-              <a:rPr lang="fr-FR" smtClean="0"/>
+              <a:rPr lang="fr-FR"/>
               <a:t>Deuxième niveau</a:t>
             </a:r>
           </a:p>
           <a:p>
             <a:pPr lvl="2"/>
             <a:r>
-              <a:rPr lang="fr-FR" smtClean="0"/>
+              <a:rPr lang="fr-FR"/>
               <a:t>Troisième niveau</a:t>
             </a:r>
           </a:p>
           <a:p>
             <a:pPr lvl="3"/>
             <a:r>
-              <a:rPr lang="fr-FR" smtClean="0"/>
+              <a:rPr lang="fr-FR"/>
               <a:t>Quatrième niveau</a:t>
             </a:r>
           </a:p>
           <a:p>
             <a:pPr lvl="4"/>
             <a:r>
-              <a:rPr lang="fr-FR" smtClean="0"/>
+              <a:rPr lang="fr-FR"/>
               <a:t>Cinquième niveau</a:t>
             </a:r>
-            <a:endParaRPr lang="fr-FR"/>
           </a:p>
         </p:txBody>
       </p:sp>
@@ -1167,10 +1163,9 @@
           </a:lstStyle>
           <a:p>
             <a:r>
-              <a:rPr lang="fr-FR" dirty="0" smtClean="0"/>
+              <a:rPr lang="fr-FR" dirty="0"/>
               <a:t>Cliquez pour modifier le style du titre</a:t>
             </a:r>
-            <a:endParaRPr lang="fr-FR" dirty="0"/>
           </a:p>
         </p:txBody>
       </p:sp>
@@ -1196,38 +1191,37 @@
           <a:p>
             <a:pPr lvl="0"/>
             <a:r>
-              <a:rPr lang="fr-FR" dirty="0" smtClean="0"/>
+              <a:rPr lang="fr-FR" dirty="0"/>
               <a:t>Cliquez pour modifier les styles du texte du masque</a:t>
             </a:r>
           </a:p>
           <a:p>
             <a:pPr lvl="1"/>
             <a:r>
-              <a:rPr lang="fr-FR" dirty="0" smtClean="0"/>
+              <a:rPr lang="fr-FR" dirty="0"/>
               <a:t>Deuxième niveau</a:t>
             </a:r>
           </a:p>
           <a:p>
             <a:pPr lvl="2"/>
             <a:r>
-              <a:rPr lang="fr-FR" dirty="0" smtClean="0"/>
+              <a:rPr lang="fr-FR" dirty="0"/>
               <a:t>Troisième niveau</a:t>
             </a:r>
           </a:p>
           <a:p>
             <a:pPr lvl="3"/>
             <a:r>
-              <a:rPr lang="fr-FR" dirty="0" smtClean="0"/>
+              <a:rPr lang="fr-FR" dirty="0"/>
               <a:t>Quatrième niveau</a:t>
             </a:r>
           </a:p>
           <a:p>
             <a:pPr lvl="4"/>
             <a:r>
-              <a:rPr lang="fr-FR" dirty="0" smtClean="0"/>
+              <a:rPr lang="fr-FR" dirty="0"/>
               <a:t>Cinquième niveau</a:t>
             </a:r>
-            <a:endParaRPr lang="fr-FR" dirty="0"/>
           </a:p>
         </p:txBody>
       </p:sp>
@@ -1277,10 +1271,9 @@
           <a:lstStyle/>
           <a:p>
             <a:r>
-              <a:rPr lang="fr-FR" smtClean="0"/>
+              <a:rPr lang="fr-FR"/>
               <a:t>Cliquez pour modifier le style du titre</a:t>
             </a:r>
-            <a:endParaRPr lang="fr-FR"/>
           </a:p>
         </p:txBody>
       </p:sp>
@@ -1334,38 +1327,37 @@
           <a:p>
             <a:pPr lvl="0"/>
             <a:r>
-              <a:rPr lang="fr-FR" smtClean="0"/>
+              <a:rPr lang="fr-FR"/>
               <a:t>Cliquez pour modifier les styles du texte du masque</a:t>
             </a:r>
           </a:p>
           <a:p>
             <a:pPr lvl="1"/>
             <a:r>
-              <a:rPr lang="fr-FR" smtClean="0"/>
+              <a:rPr lang="fr-FR"/>
               <a:t>Deuxième niveau</a:t>
             </a:r>
           </a:p>
           <a:p>
             <a:pPr lvl="2"/>
             <a:r>
-              <a:rPr lang="fr-FR" smtClean="0"/>
+              <a:rPr lang="fr-FR"/>
               <a:t>Troisième niveau</a:t>
             </a:r>
           </a:p>
           <a:p>
             <a:pPr lvl="3"/>
             <a:r>
-              <a:rPr lang="fr-FR" smtClean="0"/>
+              <a:rPr lang="fr-FR"/>
               <a:t>Quatrième niveau</a:t>
             </a:r>
           </a:p>
           <a:p>
             <a:pPr lvl="4"/>
             <a:r>
-              <a:rPr lang="fr-FR" smtClean="0"/>
+              <a:rPr lang="fr-FR"/>
               <a:t>Cinquième niveau</a:t>
             </a:r>
-            <a:endParaRPr lang="fr-FR"/>
           </a:p>
         </p:txBody>
       </p:sp>
@@ -1419,38 +1411,37 @@
           <a:p>
             <a:pPr lvl="0"/>
             <a:r>
-              <a:rPr lang="fr-FR" smtClean="0"/>
+              <a:rPr lang="fr-FR"/>
               <a:t>Cliquez pour modifier les styles du texte du masque</a:t>
             </a:r>
           </a:p>
           <a:p>
             <a:pPr lvl="1"/>
             <a:r>
-              <a:rPr lang="fr-FR" smtClean="0"/>
+              <a:rPr lang="fr-FR"/>
               <a:t>Deuxième niveau</a:t>
             </a:r>
           </a:p>
           <a:p>
             <a:pPr lvl="2"/>
             <a:r>
-              <a:rPr lang="fr-FR" smtClean="0"/>
+              <a:rPr lang="fr-FR"/>
               <a:t>Troisième niveau</a:t>
             </a:r>
           </a:p>
           <a:p>
             <a:pPr lvl="3"/>
             <a:r>
-              <a:rPr lang="fr-FR" smtClean="0"/>
+              <a:rPr lang="fr-FR"/>
               <a:t>Quatrième niveau</a:t>
             </a:r>
           </a:p>
           <a:p>
             <a:pPr lvl="4"/>
             <a:r>
-              <a:rPr lang="fr-FR" smtClean="0"/>
+              <a:rPr lang="fr-FR"/>
               <a:t>Cinquième niveau</a:t>
             </a:r>
-            <a:endParaRPr lang="fr-FR"/>
           </a:p>
         </p:txBody>
       </p:sp>
@@ -1509,10 +1500,9 @@
           </a:lstStyle>
           <a:p>
             <a:r>
-              <a:rPr lang="fr-FR" smtClean="0"/>
+              <a:rPr lang="fr-FR"/>
               <a:t>Cliquez pour modifier le style du titre</a:t>
             </a:r>
-            <a:endParaRPr lang="fr-FR"/>
           </a:p>
         </p:txBody>
       </p:sp>
@@ -1575,7 +1565,7 @@
           <a:p>
             <a:pPr lvl="0"/>
             <a:r>
-              <a:rPr lang="fr-FR" smtClean="0"/>
+              <a:rPr lang="fr-FR"/>
               <a:t>Cliquez pour modifier les styles du texte du masque</a:t>
             </a:r>
           </a:p>
@@ -1631,38 +1621,37 @@
           <a:p>
             <a:pPr lvl="0"/>
             <a:r>
-              <a:rPr lang="fr-FR" smtClean="0"/>
+              <a:rPr lang="fr-FR"/>
               <a:t>Cliquez pour modifier les styles du texte du masque</a:t>
             </a:r>
           </a:p>
           <a:p>
             <a:pPr lvl="1"/>
             <a:r>
-              <a:rPr lang="fr-FR" smtClean="0"/>
+              <a:rPr lang="fr-FR"/>
               <a:t>Deuxième niveau</a:t>
             </a:r>
           </a:p>
           <a:p>
             <a:pPr lvl="2"/>
             <a:r>
-              <a:rPr lang="fr-FR" smtClean="0"/>
+              <a:rPr lang="fr-FR"/>
               <a:t>Troisième niveau</a:t>
             </a:r>
           </a:p>
           <a:p>
             <a:pPr lvl="3"/>
             <a:r>
-              <a:rPr lang="fr-FR" smtClean="0"/>
+              <a:rPr lang="fr-FR"/>
               <a:t>Quatrième niveau</a:t>
             </a:r>
           </a:p>
           <a:p>
             <a:pPr lvl="4"/>
             <a:r>
-              <a:rPr lang="fr-FR" smtClean="0"/>
+              <a:rPr lang="fr-FR"/>
               <a:t>Cinquième niveau</a:t>
             </a:r>
-            <a:endParaRPr lang="fr-FR"/>
           </a:p>
         </p:txBody>
       </p:sp>
@@ -1725,7 +1714,7 @@
           <a:p>
             <a:pPr lvl="0"/>
             <a:r>
-              <a:rPr lang="fr-FR" smtClean="0"/>
+              <a:rPr lang="fr-FR"/>
               <a:t>Cliquez pour modifier les styles du texte du masque</a:t>
             </a:r>
           </a:p>
@@ -1781,38 +1770,37 @@
           <a:p>
             <a:pPr lvl="0"/>
             <a:r>
-              <a:rPr lang="fr-FR" smtClean="0"/>
+              <a:rPr lang="fr-FR"/>
               <a:t>Cliquez pour modifier les styles du texte du masque</a:t>
             </a:r>
           </a:p>
           <a:p>
             <a:pPr lvl="1"/>
             <a:r>
-              <a:rPr lang="fr-FR" smtClean="0"/>
+              <a:rPr lang="fr-FR"/>
               <a:t>Deuxième niveau</a:t>
             </a:r>
           </a:p>
           <a:p>
             <a:pPr lvl="2"/>
             <a:r>
-              <a:rPr lang="fr-FR" smtClean="0"/>
+              <a:rPr lang="fr-FR"/>
               <a:t>Troisième niveau</a:t>
             </a:r>
           </a:p>
           <a:p>
             <a:pPr lvl="3"/>
             <a:r>
-              <a:rPr lang="fr-FR" smtClean="0"/>
+              <a:rPr lang="fr-FR"/>
               <a:t>Quatrième niveau</a:t>
             </a:r>
           </a:p>
           <a:p>
             <a:pPr lvl="4"/>
             <a:r>
-              <a:rPr lang="fr-FR" smtClean="0"/>
+              <a:rPr lang="fr-FR"/>
               <a:t>Cinquième niveau</a:t>
             </a:r>
-            <a:endParaRPr lang="fr-FR"/>
           </a:p>
         </p:txBody>
       </p:sp>
@@ -1862,10 +1850,9 @@
           <a:lstStyle/>
           <a:p>
             <a:r>
-              <a:rPr lang="fr-FR" smtClean="0"/>
+              <a:rPr lang="fr-FR"/>
               <a:t>Cliquez pour modifier le style du titre</a:t>
             </a:r>
-            <a:endParaRPr lang="fr-FR"/>
           </a:p>
         </p:txBody>
       </p:sp>
@@ -1954,10 +1941,9 @@
           </a:lstStyle>
           <a:p>
             <a:r>
-              <a:rPr lang="fr-FR" smtClean="0"/>
+              <a:rPr lang="fr-FR"/>
               <a:t>Cliquez pour modifier le style du titre</a:t>
             </a:r>
-            <a:endParaRPr lang="fr-FR"/>
           </a:p>
         </p:txBody>
       </p:sp>
@@ -2011,38 +1997,37 @@
           <a:p>
             <a:pPr lvl="0"/>
             <a:r>
-              <a:rPr lang="fr-FR" smtClean="0"/>
+              <a:rPr lang="fr-FR"/>
               <a:t>Cliquez pour modifier les styles du texte du masque</a:t>
             </a:r>
           </a:p>
           <a:p>
             <a:pPr lvl="1"/>
             <a:r>
-              <a:rPr lang="fr-FR" smtClean="0"/>
+              <a:rPr lang="fr-FR"/>
               <a:t>Deuxième niveau</a:t>
             </a:r>
           </a:p>
           <a:p>
             <a:pPr lvl="2"/>
             <a:r>
-              <a:rPr lang="fr-FR" smtClean="0"/>
+              <a:rPr lang="fr-FR"/>
               <a:t>Troisième niveau</a:t>
             </a:r>
           </a:p>
           <a:p>
             <a:pPr lvl="3"/>
             <a:r>
-              <a:rPr lang="fr-FR" smtClean="0"/>
+              <a:rPr lang="fr-FR"/>
               <a:t>Quatrième niveau</a:t>
             </a:r>
           </a:p>
           <a:p>
             <a:pPr lvl="4"/>
             <a:r>
-              <a:rPr lang="fr-FR" smtClean="0"/>
+              <a:rPr lang="fr-FR"/>
               <a:t>Cinquième niveau</a:t>
             </a:r>
-            <a:endParaRPr lang="fr-FR"/>
           </a:p>
         </p:txBody>
       </p:sp>
@@ -2105,7 +2090,7 @@
           <a:p>
             <a:pPr lvl="0"/>
             <a:r>
-              <a:rPr lang="fr-FR" smtClean="0"/>
+              <a:rPr lang="fr-FR"/>
               <a:t>Cliquez pour modifier les styles du texte du masque</a:t>
             </a:r>
           </a:p>
@@ -2166,10 +2151,9 @@
           </a:lstStyle>
           <a:p>
             <a:r>
-              <a:rPr lang="fr-FR" smtClean="0"/>
+              <a:rPr lang="fr-FR"/>
               <a:t>Cliquez pour modifier le style du titre</a:t>
             </a:r>
-            <a:endParaRPr lang="fr-FR"/>
           </a:p>
         </p:txBody>
       </p:sp>
@@ -2231,7 +2215,7 @@
           </a:lstStyle>
           <a:p>
             <a:pPr lvl="0"/>
-            <a:endParaRPr lang="fr-FR" noProof="0" smtClean="0"/>
+            <a:endParaRPr lang="fr-FR" noProof="0"/>
           </a:p>
         </p:txBody>
       </p:sp>
@@ -2294,7 +2278,7 @@
           <a:p>
             <a:pPr lvl="0"/>
             <a:r>
-              <a:rPr lang="fr-FR" smtClean="0"/>
+              <a:rPr lang="fr-FR"/>
               <a:t>Cliquez pour modifier les styles du texte du masque</a:t>
             </a:r>
           </a:p>
@@ -2346,10 +2330,9 @@
           <a:lstStyle/>
           <a:p>
             <a:r>
-              <a:rPr lang="fr-FR" smtClean="0"/>
+              <a:rPr lang="fr-FR"/>
               <a:t>Cliquez pour modifier le style du titre</a:t>
             </a:r>
-            <a:endParaRPr lang="fr-FR"/>
           </a:p>
         </p:txBody>
       </p:sp>
@@ -2370,38 +2353,37 @@
           <a:p>
             <a:pPr lvl="0"/>
             <a:r>
-              <a:rPr lang="fr-FR" smtClean="0"/>
+              <a:rPr lang="fr-FR"/>
               <a:t>Cliquez pour modifier les styles du texte du masque</a:t>
             </a:r>
           </a:p>
           <a:p>
             <a:pPr lvl="1"/>
             <a:r>
-              <a:rPr lang="fr-FR" smtClean="0"/>
+              <a:rPr lang="fr-FR"/>
               <a:t>Deuxième niveau</a:t>
             </a:r>
           </a:p>
           <a:p>
             <a:pPr lvl="2"/>
             <a:r>
-              <a:rPr lang="fr-FR" smtClean="0"/>
+              <a:rPr lang="fr-FR"/>
               <a:t>Troisième niveau</a:t>
             </a:r>
           </a:p>
           <a:p>
             <a:pPr lvl="3"/>
             <a:r>
-              <a:rPr lang="fr-FR" smtClean="0"/>
+              <a:rPr lang="fr-FR"/>
               <a:t>Quatrième niveau</a:t>
             </a:r>
           </a:p>
           <a:p>
             <a:pPr lvl="4"/>
             <a:r>
-              <a:rPr lang="fr-FR" smtClean="0"/>
+              <a:rPr lang="fr-FR"/>
               <a:t>Cinquième niveau</a:t>
             </a:r>
-            <a:endParaRPr lang="fr-FR"/>
           </a:p>
         </p:txBody>
       </p:sp>
@@ -2582,7 +2564,7 @@
             <a:pPr eaLnBrk="1" hangingPunct="1">
               <a:defRPr/>
             </a:pPr>
-            <a:endParaRPr lang="fr-FR" altLang="fr-FR" smtClean="0"/>
+            <a:endParaRPr lang="fr-FR" altLang="fr-FR"/>
           </a:p>
         </p:txBody>
       </p:sp>
@@ -2736,7 +2718,7 @@
               <a:defRPr/>
             </a:pPr>
             <a:r>
-              <a:rPr lang="fr-FR" sz="1200" dirty="0" smtClean="0"/>
+              <a:rPr lang="fr-FR" sz="1200" dirty="0"/>
               <a:t>Page </a:t>
             </a:r>
             <a:fld id="{E218E9B1-FD08-4C80-902E-210BA2967D0D}" type="slidenum">
@@ -2749,7 +2731,7 @@
               </a:pPr>
               <a:t>‹N°›</a:t>
             </a:fld>
-            <a:endParaRPr lang="fr-FR" dirty="0" smtClean="0">
+            <a:endParaRPr lang="fr-FR" dirty="0">
               <a:latin typeface="Times New Roman" pitchFamily="18" charset="0"/>
             </a:endParaRPr>
           </a:p>
@@ -2905,10 +2887,10 @@
               <a:defRPr/>
             </a:pPr>
             <a:r>
-              <a:rPr lang="fr-FR" sz="1600" dirty="0" smtClean="0"/>
+              <a:rPr lang="fr-FR" sz="1600" dirty="0"/>
               <a:t>Python</a:t>
             </a:r>
-            <a:endParaRPr lang="fr-FR" dirty="0" smtClean="0">
+            <a:endParaRPr lang="fr-FR" dirty="0">
               <a:latin typeface="Times New Roman" pitchFamily="18" charset="0"/>
             </a:endParaRPr>
           </a:p>
@@ -2966,7 +2948,7 @@
           <a:p>
             <a:pPr lvl="0"/>
             <a:r>
-              <a:rPr lang="fr-FR" altLang="fr-FR" smtClean="0"/>
+              <a:rPr lang="fr-FR" altLang="fr-FR"/>
               <a:t>Cliquez pour modifier le style du titre du masque</a:t>
             </a:r>
           </a:p>
@@ -3024,35 +3006,35 @@
           <a:p>
             <a:pPr lvl="0"/>
             <a:r>
-              <a:rPr lang="fr-FR" altLang="fr-FR" smtClean="0"/>
+              <a:rPr lang="fr-FR" altLang="fr-FR"/>
               <a:t>Cliquez pour modifier les styles du texte du masque</a:t>
             </a:r>
           </a:p>
           <a:p>
             <a:pPr lvl="1"/>
             <a:r>
-              <a:rPr lang="fr-FR" altLang="fr-FR" smtClean="0"/>
+              <a:rPr lang="fr-FR" altLang="fr-FR"/>
               <a:t>Deuxième niveau</a:t>
             </a:r>
           </a:p>
           <a:p>
             <a:pPr lvl="2"/>
             <a:r>
-              <a:rPr lang="fr-FR" altLang="fr-FR" smtClean="0"/>
+              <a:rPr lang="fr-FR" altLang="fr-FR"/>
               <a:t>Troisième niveau</a:t>
             </a:r>
           </a:p>
           <a:p>
             <a:pPr lvl="3"/>
             <a:r>
-              <a:rPr lang="fr-FR" altLang="fr-FR" smtClean="0"/>
+              <a:rPr lang="fr-FR" altLang="fr-FR"/>
               <a:t>Quatrième niveau</a:t>
             </a:r>
           </a:p>
           <a:p>
             <a:pPr lvl="4"/>
             <a:r>
-              <a:rPr lang="fr-FR" altLang="fr-FR" smtClean="0"/>
+              <a:rPr lang="fr-FR" altLang="fr-FR"/>
               <a:t>Cinquième niveau</a:t>
             </a:r>
           </a:p>
@@ -3208,10 +3190,10 @@
               <a:defRPr/>
             </a:pPr>
             <a:r>
-              <a:rPr lang="fr-FR" sz="1200" smtClean="0"/>
+              <a:rPr lang="fr-FR" sz="1200"/>
               <a:t>© Cyril Vincent Conseil</a:t>
             </a:r>
-            <a:endParaRPr lang="fr-FR" smtClean="0">
+            <a:endParaRPr lang="fr-FR">
               <a:latin typeface="Times New Roman" pitchFamily="18" charset="0"/>
             </a:endParaRPr>
           </a:p>
@@ -3693,15 +3675,15 @@
           <a:p>
             <a:pPr eaLnBrk="1" hangingPunct="1"/>
             <a:r>
-              <a:rPr lang="fr-FR" altLang="fr-FR" smtClean="0"/>
+              <a:rPr lang="fr-FR" altLang="fr-FR"/>
               <a:t>Chapitre 19</a:t>
             </a:r>
-            <a:endParaRPr lang="fr-FR" altLang="fr-FR" dirty="0" smtClean="0"/>
+            <a:endParaRPr lang="fr-FR" altLang="fr-FR" dirty="0"/>
           </a:p>
           <a:p>
             <a:pPr eaLnBrk="1" hangingPunct="1"/>
             <a:r>
-              <a:rPr lang="fr-FR" altLang="fr-FR" dirty="0" smtClean="0"/>
+              <a:rPr lang="fr-FR" altLang="fr-FR" dirty="0"/>
               <a:t>IHM</a:t>
             </a:r>
           </a:p>
@@ -3753,13 +3735,6 @@
   <p:clrMapOvr>
     <a:masterClrMapping/>
   </p:clrMapOvr>
-  <p:timing>
-    <p:tnLst>
-      <p:par>
-        <p:cTn id="1" dur="indefinite" restart="never" nodeType="tmRoot"/>
-      </p:par>
-    </p:tnLst>
-  </p:timing>
 </p:sld>
 </file>
 
@@ -3796,10 +3771,9 @@
           <a:lstStyle/>
           <a:p>
             <a:r>
-              <a:rPr lang="fr-FR" dirty="0" smtClean="0"/>
+              <a:rPr lang="fr-FR" dirty="0"/>
               <a:t>TK</a:t>
             </a:r>
-            <a:endParaRPr lang="fr-FR" dirty="0"/>
           </a:p>
         </p:txBody>
       </p:sp>
@@ -3819,26 +3793,26 @@
           <a:lstStyle/>
           <a:p>
             <a:r>
-              <a:rPr lang="fr-FR" dirty="0" smtClean="0"/>
+              <a:rPr lang="fr-FR" dirty="0"/>
               <a:t>Il est possible de créer des IHM lourdes avec Python</a:t>
             </a:r>
           </a:p>
           <a:p>
             <a:r>
-              <a:rPr lang="fr-FR" dirty="0" smtClean="0"/>
+              <a:rPr lang="fr-FR" dirty="0"/>
               <a:t>Réutilise une vieille librairie graphique TK</a:t>
             </a:r>
           </a:p>
           <a:p>
             <a:r>
-              <a:rPr lang="fr-FR" dirty="0" smtClean="0"/>
+              <a:rPr lang="fr-FR" dirty="0"/>
               <a:t>Le module s’appelle </a:t>
             </a:r>
             <a:r>
-              <a:rPr lang="fr-FR" dirty="0" err="1" smtClean="0"/>
+              <a:rPr lang="fr-FR" dirty="0" err="1"/>
               <a:t>TKInter</a:t>
             </a:r>
-            <a:endParaRPr lang="fr-FR" dirty="0" smtClean="0"/>
+            <a:endParaRPr lang="fr-FR" dirty="0"/>
           </a:p>
           <a:p>
             <a:pPr lvl="1"/>
@@ -3847,10 +3821,10 @@
               <a:t>Ce module permet de créer des interfaces graphiques en offrant une passerelle entre Python et la bibliothèque </a:t>
             </a:r>
             <a:r>
-              <a:rPr lang="fr-FR" dirty="0" err="1" smtClean="0"/>
+              <a:rPr lang="fr-FR" dirty="0" err="1"/>
               <a:t>Tk</a:t>
             </a:r>
-            <a:endParaRPr lang="fr-FR" dirty="0" smtClean="0"/>
+            <a:endParaRPr lang="fr-FR" dirty="0"/>
           </a:p>
           <a:p>
             <a:pPr lvl="1"/>
@@ -3868,13 +3842,8 @@
             </a:r>
             <a:r>
               <a:rPr lang="fr-FR" dirty="0"/>
-              <a:t> interface) est un module intégré à la bibliothèque standard de </a:t>
-            </a:r>
-            <a:r>
-              <a:rPr lang="fr-FR" dirty="0" smtClean="0"/>
-              <a:t>Python</a:t>
-            </a:r>
-            <a:endParaRPr lang="fr-FR" dirty="0"/>
+              <a:t> interface) est un module intégré à la bibliothèque standard de Python</a:t>
+            </a:r>
           </a:p>
           <a:p>
             <a:pPr lvl="1"/>
@@ -3884,13 +3853,8 @@
             </a:r>
             <a:r>
               <a:rPr lang="fr-FR" dirty="0"/>
-              <a:t> est disponible sur Windows et la plupart des systèmes </a:t>
-            </a:r>
-            <a:r>
-              <a:rPr lang="fr-FR" dirty="0" smtClean="0"/>
-              <a:t>Unix</a:t>
-            </a:r>
-            <a:endParaRPr lang="fr-FR" dirty="0"/>
+              <a:t> est disponible sur Windows et la plupart des systèmes Unix</a:t>
+            </a:r>
           </a:p>
         </p:txBody>
       </p:sp>
@@ -3940,7 +3904,7 @@
           <a:lstStyle/>
           <a:p>
             <a:r>
-              <a:rPr lang="fr-FR" dirty="0" err="1" smtClean="0"/>
+              <a:rPr lang="fr-FR" dirty="0" err="1"/>
               <a:t>Window</a:t>
             </a:r>
             <a:endParaRPr lang="fr-FR" dirty="0"/>
@@ -4077,10 +4041,9 @@
           <a:lstStyle/>
           <a:p>
             <a:r>
-              <a:rPr lang="fr-FR" dirty="0" smtClean="0"/>
+              <a:rPr lang="fr-FR" dirty="0"/>
               <a:t>Widgets</a:t>
             </a:r>
-            <a:endParaRPr lang="fr-FR" dirty="0"/>
           </a:p>
         </p:txBody>
       </p:sp>
@@ -4156,10 +4119,9 @@
           <a:lstStyle/>
           <a:p>
             <a:r>
-              <a:rPr lang="fr-FR" dirty="0" smtClean="0"/>
+              <a:rPr lang="fr-FR" dirty="0"/>
               <a:t>Widgets</a:t>
             </a:r>
-            <a:endParaRPr lang="fr-FR" dirty="0"/>
           </a:p>
         </p:txBody>
       </p:sp>
@@ -4219,7 +4181,13 @@
       </p:grpSpPr>
       <p:sp>
         <p:nvSpPr>
-          <p:cNvPr id="2" name="Titre 1"/>
+          <p:cNvPr id="2" name="Titre 1">
+            <a:extLst>
+              <a:ext uri="{FF2B5EF4-FFF2-40B4-BE49-F238E27FC236}">
+                <a16:creationId xmlns:a16="http://schemas.microsoft.com/office/drawing/2014/main" id="{8CD26229-1357-2E7B-863B-F90BABEA193A}"/>
+              </a:ext>
+            </a:extLst>
+          </p:cNvPr>
           <p:cNvSpPr>
             <a:spLocks noGrp="1"/>
           </p:cNvSpPr>
@@ -4233,16 +4201,21 @@
           <a:lstStyle/>
           <a:p>
             <a:r>
-              <a:rPr lang="fr-FR" dirty="0" smtClean="0"/>
-              <a:t>Exemples</a:t>
-            </a:r>
-            <a:endParaRPr lang="fr-FR" dirty="0"/>
+              <a:rPr lang="fr-FR" dirty="0"/>
+              <a:t>Qt</a:t>
+            </a:r>
           </a:p>
         </p:txBody>
       </p:sp>
       <p:sp>
         <p:nvSpPr>
-          <p:cNvPr id="3" name="Espace réservé du contenu 2"/>
+          <p:cNvPr id="3" name="Espace réservé du contenu 2">
+            <a:extLst>
+              <a:ext uri="{FF2B5EF4-FFF2-40B4-BE49-F238E27FC236}">
+                <a16:creationId xmlns:a16="http://schemas.microsoft.com/office/drawing/2014/main" id="{F1CB73DB-78E7-15E6-38BD-F9575FE09B3E}"/>
+              </a:ext>
+            </a:extLst>
+          </p:cNvPr>
           <p:cNvSpPr>
             <a:spLocks noGrp="1"/>
           </p:cNvSpPr>
@@ -4256,91 +4229,17 @@
           <a:lstStyle/>
           <a:p>
             <a:r>
-              <a:rPr lang="fr-FR" dirty="0" err="1" smtClean="0"/>
-              <a:t>TKInter</a:t>
-            </a:r>
-            <a:r>
-              <a:rPr lang="fr-FR" dirty="0" smtClean="0"/>
-              <a:t> n’est pas adapté aux IHM complexes</a:t>
-            </a:r>
-          </a:p>
-          <a:p>
-            <a:r>
-              <a:rPr lang="fr-FR" dirty="0" smtClean="0"/>
-              <a:t>Il n’y a pas de RAD (Rapid Application </a:t>
-            </a:r>
-            <a:r>
-              <a:rPr lang="fr-FR" dirty="0" err="1" smtClean="0"/>
-              <a:t>Developement</a:t>
-            </a:r>
-            <a:r>
-              <a:rPr lang="fr-FR" dirty="0" smtClean="0"/>
-              <a:t>) efficace en Python</a:t>
-            </a:r>
-          </a:p>
-          <a:p>
-            <a:pPr lvl="1"/>
-            <a:r>
-              <a:rPr lang="fr-FR" dirty="0" smtClean="0"/>
-              <a:t>Préférer Java pour les IHM portables</a:t>
-            </a:r>
-          </a:p>
-          <a:p>
-            <a:pPr lvl="1"/>
-            <a:r>
-              <a:rPr lang="fr-FR" dirty="0" smtClean="0"/>
-              <a:t>Préférer .NET pour les IHM Windows complexes</a:t>
-            </a:r>
-          </a:p>
-          <a:p>
-            <a:pPr lvl="1"/>
-            <a:r>
-              <a:rPr lang="fr-FR" dirty="0" smtClean="0"/>
-              <a:t>Préférer </a:t>
-            </a:r>
-            <a:r>
-              <a:rPr lang="fr-FR" dirty="0" err="1" smtClean="0"/>
-              <a:t>Cordova</a:t>
-            </a:r>
-            <a:r>
-              <a:rPr lang="fr-FR" dirty="0" smtClean="0"/>
-              <a:t> pour les IHM inspirées du Web</a:t>
-            </a:r>
-          </a:p>
-          <a:p>
-            <a:pPr lvl="1"/>
-            <a:r>
-              <a:rPr lang="fr-FR" dirty="0" smtClean="0"/>
-              <a:t>Python est d’avantage un langage de </a:t>
-            </a:r>
-            <a:r>
-              <a:rPr lang="fr-FR" dirty="0" err="1" smtClean="0"/>
-              <a:t>scripting</a:t>
-            </a:r>
-            <a:r>
-              <a:rPr lang="fr-FR" dirty="0" smtClean="0"/>
-              <a:t> et de </a:t>
-            </a:r>
-            <a:r>
-              <a:rPr lang="fr-FR" dirty="0" err="1" smtClean="0"/>
-              <a:t>backend</a:t>
-            </a:r>
-            <a:r>
-              <a:rPr lang="fr-FR" dirty="0" smtClean="0"/>
-              <a:t> serveur qu’un langage </a:t>
-            </a:r>
-            <a:r>
-              <a:rPr lang="fr-FR" dirty="0" smtClean="0"/>
-              <a:t>graphique</a:t>
-            </a:r>
-            <a:endParaRPr lang="fr-FR" dirty="0" smtClean="0"/>
+              <a:rPr lang="fr-FR" dirty="0" err="1"/>
+              <a:t>PyQt</a:t>
+            </a:r>
+            <a:endParaRPr lang="fr-FR" dirty="0"/>
           </a:p>
         </p:txBody>
       </p:sp>
     </p:spTree>
     <p:extLst>
       <p:ext uri="{BB962C8B-B14F-4D97-AF65-F5344CB8AC3E}">
-        <p14:creationId xmlns:p14="http://schemas.microsoft.com/office/powerpoint/2010/main" val="70536453"/>
+        <p14:creationId xmlns:p14="http://schemas.microsoft.com/office/powerpoint/2010/main" val="2357109550"/>
       </p:ext>
     </p:extLst>
   </p:cSld>
